--- a/RA-L Hetro Sensors/pictures/SD_accu.pptx
+++ b/RA-L Hetro Sensors/pictures/SD_accu.pptx
@@ -238,7 +238,7 @@
           <a:p>
             <a:fld id="{1B8E5F11-3434-4847-BD70-9A3E93A317B3}" type="datetimeFigureOut">
               <a:rPr lang="en-US" smtClean="0"/>
-              <a:t>9/9/2016</a:t>
+              <a:t>12/6/16</a:t>
             </a:fld>
             <a:endParaRPr lang="en-US"/>
           </a:p>
@@ -408,7 +408,7 @@
           <a:p>
             <a:fld id="{1B8E5F11-3434-4847-BD70-9A3E93A317B3}" type="datetimeFigureOut">
               <a:rPr lang="en-US" smtClean="0"/>
-              <a:t>9/9/2016</a:t>
+              <a:t>12/6/16</a:t>
             </a:fld>
             <a:endParaRPr lang="en-US"/>
           </a:p>
@@ -588,7 +588,7 @@
           <a:p>
             <a:fld id="{1B8E5F11-3434-4847-BD70-9A3E93A317B3}" type="datetimeFigureOut">
               <a:rPr lang="en-US" smtClean="0"/>
-              <a:t>9/9/2016</a:t>
+              <a:t>12/6/16</a:t>
             </a:fld>
             <a:endParaRPr lang="en-US"/>
           </a:p>
@@ -758,7 +758,7 @@
           <a:p>
             <a:fld id="{1B8E5F11-3434-4847-BD70-9A3E93A317B3}" type="datetimeFigureOut">
               <a:rPr lang="en-US" smtClean="0"/>
-              <a:t>9/9/2016</a:t>
+              <a:t>12/6/16</a:t>
             </a:fld>
             <a:endParaRPr lang="en-US"/>
           </a:p>
@@ -1004,7 +1004,7 @@
           <a:p>
             <a:fld id="{1B8E5F11-3434-4847-BD70-9A3E93A317B3}" type="datetimeFigureOut">
               <a:rPr lang="en-US" smtClean="0"/>
-              <a:t>9/9/2016</a:t>
+              <a:t>12/6/16</a:t>
             </a:fld>
             <a:endParaRPr lang="en-US"/>
           </a:p>
@@ -1236,7 +1236,7 @@
           <a:p>
             <a:fld id="{1B8E5F11-3434-4847-BD70-9A3E93A317B3}" type="datetimeFigureOut">
               <a:rPr lang="en-US" smtClean="0"/>
-              <a:t>9/9/2016</a:t>
+              <a:t>12/6/16</a:t>
             </a:fld>
             <a:endParaRPr lang="en-US"/>
           </a:p>
@@ -1603,7 +1603,7 @@
           <a:p>
             <a:fld id="{1B8E5F11-3434-4847-BD70-9A3E93A317B3}" type="datetimeFigureOut">
               <a:rPr lang="en-US" smtClean="0"/>
-              <a:t>9/9/2016</a:t>
+              <a:t>12/6/16</a:t>
             </a:fld>
             <a:endParaRPr lang="en-US"/>
           </a:p>
@@ -1721,7 +1721,7 @@
           <a:p>
             <a:fld id="{1B8E5F11-3434-4847-BD70-9A3E93A317B3}" type="datetimeFigureOut">
               <a:rPr lang="en-US" smtClean="0"/>
-              <a:t>9/9/2016</a:t>
+              <a:t>12/6/16</a:t>
             </a:fld>
             <a:endParaRPr lang="en-US"/>
           </a:p>
@@ -1816,7 +1816,7 @@
           <a:p>
             <a:fld id="{1B8E5F11-3434-4847-BD70-9A3E93A317B3}" type="datetimeFigureOut">
               <a:rPr lang="en-US" smtClean="0"/>
-              <a:t>9/9/2016</a:t>
+              <a:t>12/6/16</a:t>
             </a:fld>
             <a:endParaRPr lang="en-US"/>
           </a:p>
@@ -2093,7 +2093,7 @@
           <a:p>
             <a:fld id="{1B8E5F11-3434-4847-BD70-9A3E93A317B3}" type="datetimeFigureOut">
               <a:rPr lang="en-US" smtClean="0"/>
-              <a:t>9/9/2016</a:t>
+              <a:t>12/6/16</a:t>
             </a:fld>
             <a:endParaRPr lang="en-US"/>
           </a:p>
@@ -2350,7 +2350,7 @@
           <a:p>
             <a:fld id="{1B8E5F11-3434-4847-BD70-9A3E93A317B3}" type="datetimeFigureOut">
               <a:rPr lang="en-US" smtClean="0"/>
-              <a:t>9/9/2016</a:t>
+              <a:t>12/6/16</a:t>
             </a:fld>
             <a:endParaRPr lang="en-US"/>
           </a:p>
@@ -2563,7 +2563,7 @@
           <a:p>
             <a:fld id="{1B8E5F11-3434-4847-BD70-9A3E93A317B3}" type="datetimeFigureOut">
               <a:rPr lang="en-US" smtClean="0"/>
-              <a:t>9/9/2016</a:t>
+              <a:t>12/6/16</a:t>
             </a:fld>
             <a:endParaRPr lang="en-US"/>
           </a:p>
@@ -2968,330 +2968,35 @@
           <a:chExt cx="0" cy="0"/>
         </a:xfrm>
       </p:grpSpPr>
-      <p:grpSp>
-        <p:nvGrpSpPr>
-          <p:cNvPr id="104" name="Group 103"/>
-          <p:cNvGrpSpPr/>
+      <p:pic>
+        <p:nvPicPr>
+          <p:cNvPr id="105" name="Picture 104"/>
+          <p:cNvPicPr>
+            <a:picLocks noChangeAspect="1"/>
+          </p:cNvPicPr>
           <p:nvPr/>
-        </p:nvGrpSpPr>
-        <p:grpSpPr>
+        </p:nvPicPr>
+        <p:blipFill rotWithShape="1">
+          <a:blip r:embed="rId2" cstate="print">
+            <a:extLst>
+              <a:ext uri="{28A0092B-C50C-407E-A947-70E740481C1C}">
+                <a14:useLocalDpi xmlns:a14="http://schemas.microsoft.com/office/drawing/2010/main" val="0"/>
+              </a:ext>
+            </a:extLst>
+          </a:blip>
+          <a:srcRect l="14204" t="5666" r="15764"/>
+          <a:stretch/>
+        </p:blipFill>
+        <p:spPr>
           <a:xfrm>
             <a:off x="-14992" y="-2148"/>
-            <a:ext cx="6151829" cy="3751823"/>
-            <a:chOff x="-1" y="-2148"/>
-            <a:chExt cx="6151829" cy="3751823"/>
+            <a:ext cx="6083881" cy="3751823"/>
           </a:xfrm>
-        </p:grpSpPr>
-        <p:pic>
-          <p:nvPicPr>
-            <p:cNvPr id="105" name="Picture 104"/>
-            <p:cNvPicPr>
-              <a:picLocks noChangeAspect="1"/>
-            </p:cNvPicPr>
-            <p:nvPr/>
-          </p:nvPicPr>
-          <p:blipFill rotWithShape="1">
-            <a:blip r:embed="rId2" cstate="print">
-              <a:extLst>
-                <a:ext uri="{28A0092B-C50C-407E-A947-70E740481C1C}">
-                  <a14:useLocalDpi xmlns:a14="http://schemas.microsoft.com/office/drawing/2010/main" val="0"/>
-                </a:ext>
-              </a:extLst>
-            </a:blip>
-            <a:srcRect l="14204" t="5666" r="15764"/>
-            <a:stretch/>
-          </p:blipFill>
-          <p:spPr>
-            <a:xfrm>
-              <a:off x="-1" y="-2148"/>
-              <a:ext cx="6083881" cy="3751823"/>
-            </a:xfrm>
-            <a:prstGeom prst="rect">
-              <a:avLst/>
-            </a:prstGeom>
-          </p:spPr>
-        </p:pic>
-        <p:cxnSp>
-          <p:nvCxnSpPr>
-            <p:cNvPr id="106" name="Straight Arrow Connector 105"/>
-            <p:cNvCxnSpPr/>
-            <p:nvPr/>
-          </p:nvCxnSpPr>
-          <p:spPr>
-            <a:xfrm flipH="1" flipV="1">
-              <a:off x="4436337" y="2118737"/>
-              <a:ext cx="520411" cy="754151"/>
-            </a:xfrm>
-            <a:prstGeom prst="straightConnector1">
-              <a:avLst/>
-            </a:prstGeom>
-            <a:ln w="28575">
-              <a:solidFill>
-                <a:schemeClr val="tx1"/>
-              </a:solidFill>
-              <a:tailEnd type="triangle"/>
-            </a:ln>
-          </p:spPr>
-          <p:style>
-            <a:lnRef idx="1">
-              <a:schemeClr val="accent1"/>
-            </a:lnRef>
-            <a:fillRef idx="0">
-              <a:schemeClr val="accent1"/>
-            </a:fillRef>
-            <a:effectRef idx="0">
-              <a:schemeClr val="accent1"/>
-            </a:effectRef>
-            <a:fontRef idx="minor">
-              <a:schemeClr val="tx1"/>
-            </a:fontRef>
-          </p:style>
-        </p:cxnSp>
-        <p:cxnSp>
-          <p:nvCxnSpPr>
-            <p:cNvPr id="107" name="Straight Arrow Connector 106"/>
-            <p:cNvCxnSpPr/>
-            <p:nvPr/>
-          </p:nvCxnSpPr>
-          <p:spPr>
-            <a:xfrm flipH="1">
-              <a:off x="3262431" y="409866"/>
-              <a:ext cx="884848" cy="1235889"/>
-            </a:xfrm>
-            <a:prstGeom prst="straightConnector1">
-              <a:avLst/>
-            </a:prstGeom>
-            <a:ln w="28575">
-              <a:solidFill>
-                <a:schemeClr val="tx1"/>
-              </a:solidFill>
-              <a:tailEnd type="triangle"/>
-            </a:ln>
-          </p:spPr>
-          <p:style>
-            <a:lnRef idx="1">
-              <a:schemeClr val="accent1"/>
-            </a:lnRef>
-            <a:fillRef idx="0">
-              <a:schemeClr val="accent1"/>
-            </a:fillRef>
-            <a:effectRef idx="0">
-              <a:schemeClr val="accent1"/>
-            </a:effectRef>
-            <a:fontRef idx="minor">
-              <a:schemeClr val="tx1"/>
-            </a:fontRef>
-          </p:style>
-        </p:cxnSp>
-        <p:cxnSp>
-          <p:nvCxnSpPr>
-            <p:cNvPr id="108" name="Straight Arrow Connector 107"/>
-            <p:cNvCxnSpPr/>
-            <p:nvPr/>
-          </p:nvCxnSpPr>
-          <p:spPr>
-            <a:xfrm flipV="1">
-              <a:off x="2038662" y="2419050"/>
-              <a:ext cx="501064" cy="618957"/>
-            </a:xfrm>
-            <a:prstGeom prst="straightConnector1">
-              <a:avLst/>
-            </a:prstGeom>
-            <a:ln w="28575">
-              <a:solidFill>
-                <a:schemeClr val="tx1"/>
-              </a:solidFill>
-              <a:tailEnd type="triangle"/>
-            </a:ln>
-          </p:spPr>
-          <p:style>
-            <a:lnRef idx="1">
-              <a:schemeClr val="accent1"/>
-            </a:lnRef>
-            <a:fillRef idx="0">
-              <a:schemeClr val="accent1"/>
-            </a:fillRef>
-            <a:effectRef idx="0">
-              <a:schemeClr val="accent1"/>
-            </a:effectRef>
-            <a:fontRef idx="minor">
-              <a:schemeClr val="tx1"/>
-            </a:fontRef>
-          </p:style>
-        </p:cxnSp>
-        <p:cxnSp>
-          <p:nvCxnSpPr>
-            <p:cNvPr id="109" name="Straight Arrow Connector 108"/>
-            <p:cNvCxnSpPr/>
-            <p:nvPr/>
-          </p:nvCxnSpPr>
-          <p:spPr>
-            <a:xfrm>
-              <a:off x="2172926" y="406713"/>
-              <a:ext cx="318249" cy="383213"/>
-            </a:xfrm>
-            <a:prstGeom prst="straightConnector1">
-              <a:avLst/>
-            </a:prstGeom>
-            <a:ln w="28575">
-              <a:solidFill>
-                <a:schemeClr val="tx1"/>
-              </a:solidFill>
-              <a:tailEnd type="triangle"/>
-            </a:ln>
-          </p:spPr>
-          <p:style>
-            <a:lnRef idx="1">
-              <a:schemeClr val="accent1"/>
-            </a:lnRef>
-            <a:fillRef idx="0">
-              <a:schemeClr val="accent1"/>
-            </a:fillRef>
-            <a:effectRef idx="0">
-              <a:schemeClr val="accent1"/>
-            </a:effectRef>
-            <a:fontRef idx="minor">
-              <a:schemeClr val="tx1"/>
-            </a:fontRef>
-          </p:style>
-        </p:cxnSp>
-        <p:sp>
-          <p:nvSpPr>
-            <p:cNvPr id="110" name="TextBox 109"/>
-            <p:cNvSpPr txBox="1"/>
-            <p:nvPr/>
-          </p:nvSpPr>
-          <p:spPr>
-            <a:xfrm>
-              <a:off x="3626208" y="2758590"/>
-              <a:ext cx="2525620" cy="461665"/>
-            </a:xfrm>
-            <a:prstGeom prst="rect">
-              <a:avLst/>
-            </a:prstGeom>
-            <a:noFill/>
-          </p:spPr>
-          <p:txBody>
-            <a:bodyPr wrap="square" rtlCol="0">
-              <a:spAutoFit/>
-            </a:bodyPr>
-            <a:lstStyle/>
-            <a:p>
-              <a:r>
-                <a:rPr lang="en-US" sz="2400" dirty="0" smtClean="0"/>
-                <a:t>Dropped Location</a:t>
-              </a:r>
-              <a:endParaRPr lang="en-US" sz="2400" dirty="0"/>
-            </a:p>
-          </p:txBody>
-        </p:sp>
-        <p:sp>
-          <p:nvSpPr>
-            <p:cNvPr id="111" name="TextBox 110"/>
-            <p:cNvSpPr txBox="1"/>
-            <p:nvPr/>
-          </p:nvSpPr>
-          <p:spPr>
-            <a:xfrm>
-              <a:off x="3719389" y="0"/>
-              <a:ext cx="977153" cy="461665"/>
-            </a:xfrm>
-            <a:prstGeom prst="rect">
-              <a:avLst/>
-            </a:prstGeom>
-            <a:noFill/>
-          </p:spPr>
-          <p:txBody>
-            <a:bodyPr wrap="square" rtlCol="0">
-              <a:spAutoFit/>
-            </a:bodyPr>
-            <a:lstStyle/>
-            <a:p>
-              <a:r>
-                <a:rPr lang="en-US" sz="2400" dirty="0" smtClean="0"/>
-                <a:t>Mean</a:t>
-              </a:r>
-              <a:endParaRPr lang="en-US" sz="2400" dirty="0"/>
-            </a:p>
-          </p:txBody>
-        </p:sp>
-        <p:sp>
-          <p:nvSpPr>
-            <p:cNvPr id="112" name="TextBox 111"/>
-            <p:cNvSpPr txBox="1"/>
-            <p:nvPr/>
-          </p:nvSpPr>
-          <p:spPr>
-            <a:xfrm>
-              <a:off x="521477" y="47911"/>
-              <a:ext cx="2187391" cy="461665"/>
-            </a:xfrm>
-            <a:prstGeom prst="rect">
-              <a:avLst/>
-            </a:prstGeom>
-            <a:noFill/>
-          </p:spPr>
-          <p:txBody>
-            <a:bodyPr wrap="square" rtlCol="0">
-              <a:spAutoFit/>
-            </a:bodyPr>
-            <a:lstStyle/>
-            <a:p>
-              <a:r>
-                <a:rPr lang="en-US" sz="2400" dirty="0" smtClean="0"/>
-                <a:t>2</a:t>
-              </a:r>
-              <a:r>
-                <a:rPr lang="en-US" sz="2400" baseline="30000" dirty="0" smtClean="0"/>
-                <a:t>nd</a:t>
-              </a:r>
-              <a:r>
-                <a:rPr lang="en-US" sz="2400" dirty="0" smtClean="0"/>
-                <a:t> S.D. Ellipse</a:t>
-              </a:r>
-              <a:endParaRPr lang="en-US" sz="2400" dirty="0"/>
-            </a:p>
-          </p:txBody>
-        </p:sp>
-        <p:sp>
-          <p:nvSpPr>
-            <p:cNvPr id="113" name="TextBox 112"/>
-            <p:cNvSpPr txBox="1"/>
-            <p:nvPr/>
-          </p:nvSpPr>
-          <p:spPr>
-            <a:xfrm>
-              <a:off x="533289" y="2872888"/>
-              <a:ext cx="2187391" cy="461665"/>
-            </a:xfrm>
-            <a:prstGeom prst="rect">
-              <a:avLst/>
-            </a:prstGeom>
-            <a:noFill/>
-          </p:spPr>
-          <p:txBody>
-            <a:bodyPr wrap="square" rtlCol="0">
-              <a:spAutoFit/>
-            </a:bodyPr>
-            <a:lstStyle/>
-            <a:p>
-              <a:r>
-                <a:rPr lang="en-US" sz="2400" dirty="0"/>
-                <a:t>1</a:t>
-              </a:r>
-              <a:r>
-                <a:rPr lang="en-US" sz="2400" baseline="30000" dirty="0" smtClean="0"/>
-                <a:t>st</a:t>
-              </a:r>
-              <a:r>
-                <a:rPr lang="en-US" sz="2400" dirty="0" smtClean="0"/>
-                <a:t> S.D. Ellipse</a:t>
-              </a:r>
-              <a:endParaRPr lang="en-US" sz="2400" dirty="0"/>
-            </a:p>
-          </p:txBody>
-        </p:sp>
-      </p:grpSp>
+          <a:prstGeom prst="rect">
+            <a:avLst/>
+          </a:prstGeom>
+        </p:spPr>
+      </p:pic>
     </p:spTree>
     <p:extLst>
       <p:ext uri="{BB962C8B-B14F-4D97-AF65-F5344CB8AC3E}">
@@ -3348,7 +3053,7 @@
     </a:clrScheme>
     <a:fontScheme name="Office Theme">
       <a:majorFont>
-        <a:latin typeface="Calibri Light" panose="020F0302020204030204"/>
+        <a:latin typeface="Calibri Light"/>
         <a:ea typeface=""/>
         <a:cs typeface=""/>
         <a:font script="Jpan" typeface="ＭＳ Ｐゴシック"/>
@@ -3383,7 +3088,7 @@
         <a:font script="Geor" typeface="Sylfaen"/>
       </a:majorFont>
       <a:minorFont>
-        <a:latin typeface="Calibri" panose="020F0502020204030204"/>
+        <a:latin typeface="Calibri"/>
         <a:ea typeface=""/>
         <a:cs typeface=""/>
         <a:font script="Jpan" typeface="ＭＳ Ｐゴシック"/>
@@ -3560,7 +3265,7 @@
   <a:extraClrSchemeLst/>
   <a:extLst>
     <a:ext uri="{05A4C25C-085E-4340-85A3-A5531E510DB2}">
-      <thm15:themeFamily xmlns:thm15="http://schemas.microsoft.com/office/thememl/2012/main" name="Office Theme" id="{62F939B6-93AF-4DB8-9C6B-D6C7DFDC589F}" vid="{4A3C46E8-61CC-4603-A589-7422A47A8E4A}"/>
+      <thm15:themeFamily xmlns:thm15="http://schemas.microsoft.com/office/thememl/2012/main" xmlns="" name="Office Theme" id="{62F939B6-93AF-4DB8-9C6B-D6C7DFDC589F}" vid="{4A3C46E8-61CC-4603-A589-7422A47A8E4A}"/>
     </a:ext>
   </a:extLst>
 </a:theme>
